--- a/Sail through Ice/Sail through Ice - Image Files/gameJamName - Image Initializer.pptx
+++ b/Sail through Ice/Sail through Ice - Image Files/gameJamName - Image Initializer.pptx
@@ -8,6 +8,7 @@
     <p:sldId id="256" r:id="rId2"/>
     <p:sldId id="257" r:id="rId3"/>
     <p:sldId id="259" r:id="rId4"/>
+    <p:sldId id="260" r:id="rId5"/>
   </p:sldIdLst>
   <p:sldSz cx="12192000" cy="6858000"/>
   <p:notesSz cx="6858000" cy="9144000"/>
@@ -245,7 +246,7 @@
           <a:p>
             <a:fld id="{1CB1AD02-714A-4324-8EFD-214DDF861471}" type="datetimeFigureOut">
               <a:rPr lang="en-US" smtClean="0"/>
-              <a:t>9/17/2022</a:t>
+              <a:t>9/18/2022</a:t>
             </a:fld>
             <a:endParaRPr lang="en-US"/>
           </a:p>
@@ -415,7 +416,7 @@
           <a:p>
             <a:fld id="{1CB1AD02-714A-4324-8EFD-214DDF861471}" type="datetimeFigureOut">
               <a:rPr lang="en-US" smtClean="0"/>
-              <a:t>9/17/2022</a:t>
+              <a:t>9/18/2022</a:t>
             </a:fld>
             <a:endParaRPr lang="en-US"/>
           </a:p>
@@ -595,7 +596,7 @@
           <a:p>
             <a:fld id="{1CB1AD02-714A-4324-8EFD-214DDF861471}" type="datetimeFigureOut">
               <a:rPr lang="en-US" smtClean="0"/>
-              <a:t>9/17/2022</a:t>
+              <a:t>9/18/2022</a:t>
             </a:fld>
             <a:endParaRPr lang="en-US"/>
           </a:p>
@@ -765,7 +766,7 @@
           <a:p>
             <a:fld id="{1CB1AD02-714A-4324-8EFD-214DDF861471}" type="datetimeFigureOut">
               <a:rPr lang="en-US" smtClean="0"/>
-              <a:t>9/17/2022</a:t>
+              <a:t>9/18/2022</a:t>
             </a:fld>
             <a:endParaRPr lang="en-US"/>
           </a:p>
@@ -1011,7 +1012,7 @@
           <a:p>
             <a:fld id="{1CB1AD02-714A-4324-8EFD-214DDF861471}" type="datetimeFigureOut">
               <a:rPr lang="en-US" smtClean="0"/>
-              <a:t>9/17/2022</a:t>
+              <a:t>9/18/2022</a:t>
             </a:fld>
             <a:endParaRPr lang="en-US"/>
           </a:p>
@@ -1243,7 +1244,7 @@
           <a:p>
             <a:fld id="{1CB1AD02-714A-4324-8EFD-214DDF861471}" type="datetimeFigureOut">
               <a:rPr lang="en-US" smtClean="0"/>
-              <a:t>9/17/2022</a:t>
+              <a:t>9/18/2022</a:t>
             </a:fld>
             <a:endParaRPr lang="en-US"/>
           </a:p>
@@ -1610,7 +1611,7 @@
           <a:p>
             <a:fld id="{1CB1AD02-714A-4324-8EFD-214DDF861471}" type="datetimeFigureOut">
               <a:rPr lang="en-US" smtClean="0"/>
-              <a:t>9/17/2022</a:t>
+              <a:t>9/18/2022</a:t>
             </a:fld>
             <a:endParaRPr lang="en-US"/>
           </a:p>
@@ -1728,7 +1729,7 @@
           <a:p>
             <a:fld id="{1CB1AD02-714A-4324-8EFD-214DDF861471}" type="datetimeFigureOut">
               <a:rPr lang="en-US" smtClean="0"/>
-              <a:t>9/17/2022</a:t>
+              <a:t>9/18/2022</a:t>
             </a:fld>
             <a:endParaRPr lang="en-US"/>
           </a:p>
@@ -1823,7 +1824,7 @@
           <a:p>
             <a:fld id="{1CB1AD02-714A-4324-8EFD-214DDF861471}" type="datetimeFigureOut">
               <a:rPr lang="en-US" smtClean="0"/>
-              <a:t>9/17/2022</a:t>
+              <a:t>9/18/2022</a:t>
             </a:fld>
             <a:endParaRPr lang="en-US"/>
           </a:p>
@@ -2100,7 +2101,7 @@
           <a:p>
             <a:fld id="{1CB1AD02-714A-4324-8EFD-214DDF861471}" type="datetimeFigureOut">
               <a:rPr lang="en-US" smtClean="0"/>
-              <a:t>9/17/2022</a:t>
+              <a:t>9/18/2022</a:t>
             </a:fld>
             <a:endParaRPr lang="en-US"/>
           </a:p>
@@ -2353,7 +2354,7 @@
           <a:p>
             <a:fld id="{1CB1AD02-714A-4324-8EFD-214DDF861471}" type="datetimeFigureOut">
               <a:rPr lang="en-US" smtClean="0"/>
-              <a:t>9/17/2022</a:t>
+              <a:t>9/18/2022</a:t>
             </a:fld>
             <a:endParaRPr lang="en-US"/>
           </a:p>
@@ -2566,7 +2567,7 @@
           <a:p>
             <a:fld id="{1CB1AD02-714A-4324-8EFD-214DDF861471}" type="datetimeFigureOut">
               <a:rPr lang="en-US" smtClean="0"/>
-              <a:t>9/17/2022</a:t>
+              <a:t>9/18/2022</a:t>
             </a:fld>
             <a:endParaRPr lang="en-US"/>
           </a:p>
@@ -21045,6 +21046,156 @@
 </p:sld>
 </file>
 
+<file path=ppt/slides/slide4.xml><?xml version="1.0" encoding="utf-8"?>
+<p:sld xmlns:a="http://schemas.openxmlformats.org/drawingml/2006/main" xmlns:r="http://schemas.openxmlformats.org/officeDocument/2006/relationships" xmlns:p="http://schemas.openxmlformats.org/presentationml/2006/main">
+  <p:cSld>
+    <p:spTree>
+      <p:nvGrpSpPr>
+        <p:cNvPr id="1" name=""/>
+        <p:cNvGrpSpPr/>
+        <p:nvPr/>
+      </p:nvGrpSpPr>
+      <p:grpSpPr>
+        <a:xfrm>
+          <a:off x="0" y="0"/>
+          <a:ext cx="0" cy="0"/>
+          <a:chOff x="0" y="0"/>
+          <a:chExt cx="0" cy="0"/>
+        </a:xfrm>
+      </p:grpSpPr>
+      <p:pic>
+        <p:nvPicPr>
+          <p:cNvPr id="4" name="Picture 3"/>
+          <p:cNvPicPr>
+            <a:picLocks noChangeAspect="1"/>
+          </p:cNvPicPr>
+          <p:nvPr/>
+        </p:nvPicPr>
+        <p:blipFill>
+          <a:blip r:embed="rId2"/>
+          <a:stretch>
+            <a:fillRect/>
+          </a:stretch>
+        </p:blipFill>
+        <p:spPr>
+          <a:xfrm>
+            <a:off x="3650827" y="903113"/>
+            <a:ext cx="5012266" cy="5122894"/>
+          </a:xfrm>
+          <a:prstGeom prst="rect">
+            <a:avLst/>
+          </a:prstGeom>
+        </p:spPr>
+      </p:pic>
+      <p:sp>
+        <p:nvSpPr>
+          <p:cNvPr id="6" name="Rounded Rectangle 5"/>
+          <p:cNvSpPr/>
+          <p:nvPr/>
+        </p:nvSpPr>
+        <p:spPr>
+          <a:xfrm>
+            <a:off x="3884769" y="1534774"/>
+            <a:ext cx="4524059" cy="941725"/>
+          </a:xfrm>
+          <a:prstGeom prst="roundRect">
+            <a:avLst/>
+          </a:prstGeom>
+          <a:solidFill>
+            <a:schemeClr val="accent5">
+              <a:lumMod val="20000"/>
+              <a:lumOff val="80000"/>
+            </a:schemeClr>
+          </a:solidFill>
+          <a:ln w="76200">
+            <a:solidFill>
+              <a:schemeClr val="accent1"/>
+            </a:solidFill>
+          </a:ln>
+        </p:spPr>
+        <p:style>
+          <a:lnRef idx="2">
+            <a:schemeClr val="accent1">
+              <a:shade val="50000"/>
+            </a:schemeClr>
+          </a:lnRef>
+          <a:fillRef idx="1">
+            <a:schemeClr val="accent1"/>
+          </a:fillRef>
+          <a:effectRef idx="0">
+            <a:schemeClr val="accent1"/>
+          </a:effectRef>
+          <a:fontRef idx="minor">
+            <a:schemeClr val="lt1"/>
+          </a:fontRef>
+        </p:style>
+        <p:txBody>
+          <a:bodyPr rtlCol="0" anchor="ctr"/>
+          <a:lstStyle/>
+          <a:p>
+            <a:pPr algn="ctr"/>
+            <a:endParaRPr lang="en-US"/>
+          </a:p>
+        </p:txBody>
+      </p:sp>
+      <p:sp>
+        <p:nvSpPr>
+          <p:cNvPr id="7" name="Rectangle 6"/>
+          <p:cNvSpPr/>
+          <p:nvPr/>
+        </p:nvSpPr>
+        <p:spPr>
+          <a:xfrm>
+            <a:off x="3834530" y="1534774"/>
+            <a:ext cx="4624536" cy="923330"/>
+          </a:xfrm>
+          <a:prstGeom prst="rect">
+            <a:avLst/>
+          </a:prstGeom>
+          <a:noFill/>
+        </p:spPr>
+        <p:txBody>
+          <a:bodyPr wrap="none" lIns="91440" tIns="45720" rIns="91440" bIns="45720">
+            <a:spAutoFit/>
+          </a:bodyPr>
+          <a:lstStyle/>
+          <a:p>
+            <a:pPr algn="ctr"/>
+            <a:r>
+              <a:rPr lang="en-US" sz="5400" dirty="0">
+                <a:ln w="0"/>
+                <a:effectLst>
+                  <a:glow rad="63500">
+                    <a:schemeClr val="accent1">
+                      <a:satMod val="175000"/>
+                      <a:alpha val="40000"/>
+                    </a:schemeClr>
+                  </a:glow>
+                  <a:outerShdw blurRad="38100" dist="19050" dir="2700000" algn="tl" rotWithShape="0">
+                    <a:schemeClr val="dk1">
+                      <a:alpha val="40000"/>
+                    </a:schemeClr>
+                  </a:outerShdw>
+                </a:effectLst>
+              </a:rPr>
+              <a:t>Sail through Ice</a:t>
+            </a:r>
+          </a:p>
+        </p:txBody>
+      </p:sp>
+    </p:spTree>
+    <p:extLst>
+      <p:ext uri="{BB962C8B-B14F-4D97-AF65-F5344CB8AC3E}">
+        <p14:creationId xmlns:p14="http://schemas.microsoft.com/office/powerpoint/2010/main" val="2000876735"/>
+      </p:ext>
+    </p:extLst>
+  </p:cSld>
+  <p:clrMapOvr>
+    <a:masterClrMapping/>
+  </p:clrMapOvr>
+</p:sld>
+</file>
+
 <file path=ppt/theme/theme1.xml><?xml version="1.0" encoding="utf-8"?>
 <a:theme xmlns:a="http://schemas.openxmlformats.org/drawingml/2006/main" name="Office Theme">
   <a:themeElements>
